--- a/presentations/R3 Technical Presentation.pptx
+++ b/presentations/R3 Technical Presentation.pptx
@@ -22,30 +22,33 @@
     <p:sldId id="267" r:id="rId16"/>
     <p:sldId id="268" r:id="rId17"/>
     <p:sldId id="269" r:id="rId18"/>
+    <p:sldId id="270" r:id="rId19"/>
+    <p:sldId id="271" r:id="rId20"/>
+    <p:sldId id="272" r:id="rId21"/>
   </p:sldIdLst>
   <p:sldSz cy="5143500" cx="9144000"/>
   <p:notesSz cx="6858000" cy="9144000"/>
   <p:embeddedFontLst>
     <p:embeddedFont>
       <p:font typeface="Roboto"/>
-      <p:regular r:id="rId19"/>
-      <p:bold r:id="rId20"/>
-      <p:italic r:id="rId21"/>
-      <p:boldItalic r:id="rId22"/>
+      <p:regular r:id="rId22"/>
+      <p:bold r:id="rId23"/>
+      <p:italic r:id="rId24"/>
+      <p:boldItalic r:id="rId25"/>
     </p:embeddedFont>
     <p:embeddedFont>
       <p:font typeface="Montserrat"/>
-      <p:regular r:id="rId23"/>
-      <p:bold r:id="rId24"/>
-      <p:italic r:id="rId25"/>
-      <p:boldItalic r:id="rId26"/>
+      <p:regular r:id="rId26"/>
+      <p:bold r:id="rId27"/>
+      <p:italic r:id="rId28"/>
+      <p:boldItalic r:id="rId29"/>
     </p:embeddedFont>
     <p:embeddedFont>
       <p:font typeface="Lato"/>
-      <p:regular r:id="rId27"/>
-      <p:bold r:id="rId28"/>
-      <p:italic r:id="rId29"/>
-      <p:boldItalic r:id="rId30"/>
+      <p:regular r:id="rId30"/>
+      <p:bold r:id="rId31"/>
+      <p:italic r:id="rId32"/>
+      <p:boldItalic r:id="rId33"/>
     </p:embeddedFont>
   </p:embeddedFontLst>
   <p:defaultTextStyle>
@@ -1115,7 +1118,7 @@
   <p:cSld>
     <p:spTree>
       <p:nvGrpSpPr>
-        <p:cNvPr id="225" name="Shape 225"/>
+        <p:cNvPr id="224" name="Shape 224"/>
         <p:cNvGrpSpPr/>
         <p:nvPr/>
       </p:nvGrpSpPr>
@@ -1129,7 +1132,7 @@
       </p:grpSpPr>
       <p:sp>
         <p:nvSpPr>
-          <p:cNvPr id="226" name="Shape 226"/>
+          <p:cNvPr id="225" name="Shape 225"/>
           <p:cNvSpPr/>
           <p:nvPr>
             <p:ph idx="2" type="sldImg"/>
@@ -1163,7 +1166,7 @@
       </p:sp>
       <p:sp>
         <p:nvSpPr>
-          <p:cNvPr id="227" name="Shape 227"/>
+          <p:cNvPr id="226" name="Shape 226"/>
           <p:cNvSpPr txBox="1"/>
           <p:nvPr>
             <p:ph idx="1" type="body"/>
@@ -1184,7 +1187,7 @@
           </a:bodyPr>
           <a:lstStyle/>
           <a:p>
-            <a:pPr indent="0" lvl="0" marL="0" rtl="0">
+            <a:pPr indent="0" lvl="0" marL="0">
               <a:spcBef>
                 <a:spcPts val="0"/>
               </a:spcBef>
@@ -1213,7 +1216,7 @@
   <p:cSld>
     <p:spTree>
       <p:nvGrpSpPr>
-        <p:cNvPr id="232" name="Shape 232"/>
+        <p:cNvPr id="231" name="Shape 231"/>
         <p:cNvGrpSpPr/>
         <p:nvPr/>
       </p:nvGrpSpPr>
@@ -1227,7 +1230,7 @@
       </p:grpSpPr>
       <p:sp>
         <p:nvSpPr>
-          <p:cNvPr id="233" name="Shape 233"/>
+          <p:cNvPr id="232" name="Shape 232"/>
           <p:cNvSpPr/>
           <p:nvPr>
             <p:ph idx="2" type="sldImg"/>
@@ -1261,7 +1264,301 @@
       </p:sp>
       <p:sp>
         <p:nvSpPr>
-          <p:cNvPr id="234" name="Shape 234"/>
+          <p:cNvPr id="233" name="Shape 233"/>
+          <p:cNvSpPr txBox="1"/>
+          <p:nvPr>
+            <p:ph idx="1" type="body"/>
+          </p:nvPr>
+        </p:nvSpPr>
+        <p:spPr>
+          <a:xfrm>
+            <a:off x="685800" y="4343400"/>
+            <a:ext cx="5486400" cy="4114800"/>
+          </a:xfrm>
+          <a:prstGeom prst="rect">
+            <a:avLst/>
+          </a:prstGeom>
+        </p:spPr>
+        <p:txBody>
+          <a:bodyPr anchorCtr="0" anchor="t" bIns="91425" lIns="91425" spcFirstLastPara="1" rIns="91425" wrap="square" tIns="91425">
+            <a:noAutofit/>
+          </a:bodyPr>
+          <a:lstStyle/>
+          <a:p>
+            <a:pPr indent="0" lvl="0" marL="0" rtl="0">
+              <a:spcBef>
+                <a:spcPts val="0"/>
+              </a:spcBef>
+              <a:spcAft>
+                <a:spcPts val="0"/>
+              </a:spcAft>
+              <a:buNone/>
+            </a:pPr>
+            <a:r>
+              <a:t/>
+            </a:r>
+            <a:endParaRPr/>
+          </a:p>
+        </p:txBody>
+      </p:sp>
+    </p:spTree>
+  </p:cSld>
+  <p:clrMapOvr>
+    <a:masterClrMapping/>
+  </p:clrMapOvr>
+</p:notes>
+</file>
+
+<file path=ppt/notesSlides/notesSlide15.xml><?xml version="1.0" encoding="utf-8"?>
+<p:notes xmlns:a="http://schemas.openxmlformats.org/drawingml/2006/main" xmlns:r="http://schemas.openxmlformats.org/officeDocument/2006/relationships" xmlns:mc="http://schemas.openxmlformats.org/markup-compatibility/2006" xmlns:mv="urn:schemas-microsoft-com:mac:vml" xmlns:p="http://schemas.openxmlformats.org/presentationml/2006/main" xmlns:c="http://schemas.openxmlformats.org/drawingml/2006/chart" xmlns:dgm="http://schemas.openxmlformats.org/drawingml/2006/diagram" xmlns:o="urn:schemas-microsoft-com:office:office" xmlns:v="urn:schemas-microsoft-com:vml" xmlns:pvml="urn:schemas-microsoft-com:office:powerpoint" xmlns:com="http://schemas.openxmlformats.org/drawingml/2006/compatibility" xmlns:p14="http://schemas.microsoft.com/office/powerpoint/2010/main" xmlns:p15="http://schemas.microsoft.com/office/powerpoint/2012/main" showMasterPhAnim="0" showMasterSp="0">
+  <p:cSld>
+    <p:spTree>
+      <p:nvGrpSpPr>
+        <p:cNvPr id="238" name="Shape 238"/>
+        <p:cNvGrpSpPr/>
+        <p:nvPr/>
+      </p:nvGrpSpPr>
+      <p:grpSpPr>
+        <a:xfrm>
+          <a:off x="0" y="0"/>
+          <a:ext cx="0" cy="0"/>
+          <a:chOff x="0" y="0"/>
+          <a:chExt cx="0" cy="0"/>
+        </a:xfrm>
+      </p:grpSpPr>
+      <p:sp>
+        <p:nvSpPr>
+          <p:cNvPr id="239" name="Shape 239"/>
+          <p:cNvSpPr/>
+          <p:nvPr>
+            <p:ph idx="2" type="sldImg"/>
+          </p:nvPr>
+        </p:nvSpPr>
+        <p:spPr>
+          <a:xfrm>
+            <a:off x="381300" y="685800"/>
+            <a:ext cx="6096000" cy="3429000"/>
+          </a:xfrm>
+          <a:custGeom>
+            <a:pathLst>
+              <a:path extrusionOk="0" h="120000" w="120000">
+                <a:moveTo>
+                  <a:pt x="0" y="0"/>
+                </a:moveTo>
+                <a:lnTo>
+                  <a:pt x="120000" y="0"/>
+                </a:lnTo>
+                <a:lnTo>
+                  <a:pt x="120000" y="120000"/>
+                </a:lnTo>
+                <a:lnTo>
+                  <a:pt x="0" y="120000"/>
+                </a:lnTo>
+                <a:close/>
+              </a:path>
+            </a:pathLst>
+          </a:custGeom>
+        </p:spPr>
+      </p:sp>
+      <p:sp>
+        <p:nvSpPr>
+          <p:cNvPr id="240" name="Shape 240"/>
+          <p:cNvSpPr txBox="1"/>
+          <p:nvPr>
+            <p:ph idx="1" type="body"/>
+          </p:nvPr>
+        </p:nvSpPr>
+        <p:spPr>
+          <a:xfrm>
+            <a:off x="685800" y="4343400"/>
+            <a:ext cx="5486400" cy="4114800"/>
+          </a:xfrm>
+          <a:prstGeom prst="rect">
+            <a:avLst/>
+          </a:prstGeom>
+        </p:spPr>
+        <p:txBody>
+          <a:bodyPr anchorCtr="0" anchor="t" bIns="91425" lIns="91425" spcFirstLastPara="1" rIns="91425" wrap="square" tIns="91425">
+            <a:noAutofit/>
+          </a:bodyPr>
+          <a:lstStyle/>
+          <a:p>
+            <a:pPr indent="0" lvl="0" marL="0">
+              <a:spcBef>
+                <a:spcPts val="0"/>
+              </a:spcBef>
+              <a:spcAft>
+                <a:spcPts val="0"/>
+              </a:spcAft>
+              <a:buNone/>
+            </a:pPr>
+            <a:r>
+              <a:t/>
+            </a:r>
+            <a:endParaRPr/>
+          </a:p>
+        </p:txBody>
+      </p:sp>
+    </p:spTree>
+  </p:cSld>
+  <p:clrMapOvr>
+    <a:masterClrMapping/>
+  </p:clrMapOvr>
+</p:notes>
+</file>
+
+<file path=ppt/notesSlides/notesSlide16.xml><?xml version="1.0" encoding="utf-8"?>
+<p:notes xmlns:a="http://schemas.openxmlformats.org/drawingml/2006/main" xmlns:r="http://schemas.openxmlformats.org/officeDocument/2006/relationships" xmlns:mc="http://schemas.openxmlformats.org/markup-compatibility/2006" xmlns:mv="urn:schemas-microsoft-com:mac:vml" xmlns:p="http://schemas.openxmlformats.org/presentationml/2006/main" xmlns:c="http://schemas.openxmlformats.org/drawingml/2006/chart" xmlns:dgm="http://schemas.openxmlformats.org/drawingml/2006/diagram" xmlns:o="urn:schemas-microsoft-com:office:office" xmlns:v="urn:schemas-microsoft-com:vml" xmlns:pvml="urn:schemas-microsoft-com:office:powerpoint" xmlns:com="http://schemas.openxmlformats.org/drawingml/2006/compatibility" xmlns:p14="http://schemas.microsoft.com/office/powerpoint/2010/main" xmlns:p15="http://schemas.microsoft.com/office/powerpoint/2012/main" showMasterPhAnim="0" showMasterSp="0">
+  <p:cSld>
+    <p:spTree>
+      <p:nvGrpSpPr>
+        <p:cNvPr id="246" name="Shape 246"/>
+        <p:cNvGrpSpPr/>
+        <p:nvPr/>
+      </p:nvGrpSpPr>
+      <p:grpSpPr>
+        <a:xfrm>
+          <a:off x="0" y="0"/>
+          <a:ext cx="0" cy="0"/>
+          <a:chOff x="0" y="0"/>
+          <a:chExt cx="0" cy="0"/>
+        </a:xfrm>
+      </p:grpSpPr>
+      <p:sp>
+        <p:nvSpPr>
+          <p:cNvPr id="247" name="Shape 247"/>
+          <p:cNvSpPr/>
+          <p:nvPr>
+            <p:ph idx="2" type="sldImg"/>
+          </p:nvPr>
+        </p:nvSpPr>
+        <p:spPr>
+          <a:xfrm>
+            <a:off x="381300" y="685800"/>
+            <a:ext cx="6096000" cy="3429000"/>
+          </a:xfrm>
+          <a:custGeom>
+            <a:pathLst>
+              <a:path extrusionOk="0" h="120000" w="120000">
+                <a:moveTo>
+                  <a:pt x="0" y="0"/>
+                </a:moveTo>
+                <a:lnTo>
+                  <a:pt x="120000" y="0"/>
+                </a:lnTo>
+                <a:lnTo>
+                  <a:pt x="120000" y="120000"/>
+                </a:lnTo>
+                <a:lnTo>
+                  <a:pt x="0" y="120000"/>
+                </a:lnTo>
+                <a:close/>
+              </a:path>
+            </a:pathLst>
+          </a:custGeom>
+        </p:spPr>
+      </p:sp>
+      <p:sp>
+        <p:nvSpPr>
+          <p:cNvPr id="248" name="Shape 248"/>
+          <p:cNvSpPr txBox="1"/>
+          <p:nvPr>
+            <p:ph idx="1" type="body"/>
+          </p:nvPr>
+        </p:nvSpPr>
+        <p:spPr>
+          <a:xfrm>
+            <a:off x="685800" y="4343400"/>
+            <a:ext cx="5486400" cy="4114800"/>
+          </a:xfrm>
+          <a:prstGeom prst="rect">
+            <a:avLst/>
+          </a:prstGeom>
+        </p:spPr>
+        <p:txBody>
+          <a:bodyPr anchorCtr="0" anchor="t" bIns="91425" lIns="91425" spcFirstLastPara="1" rIns="91425" wrap="square" tIns="91425">
+            <a:noAutofit/>
+          </a:bodyPr>
+          <a:lstStyle/>
+          <a:p>
+            <a:pPr indent="0" lvl="0" marL="0" rtl="0">
+              <a:spcBef>
+                <a:spcPts val="0"/>
+              </a:spcBef>
+              <a:spcAft>
+                <a:spcPts val="0"/>
+              </a:spcAft>
+              <a:buNone/>
+            </a:pPr>
+            <a:r>
+              <a:t/>
+            </a:r>
+            <a:endParaRPr/>
+          </a:p>
+        </p:txBody>
+      </p:sp>
+    </p:spTree>
+  </p:cSld>
+  <p:clrMapOvr>
+    <a:masterClrMapping/>
+  </p:clrMapOvr>
+</p:notes>
+</file>
+
+<file path=ppt/notesSlides/notesSlide17.xml><?xml version="1.0" encoding="utf-8"?>
+<p:notes xmlns:a="http://schemas.openxmlformats.org/drawingml/2006/main" xmlns:r="http://schemas.openxmlformats.org/officeDocument/2006/relationships" xmlns:mc="http://schemas.openxmlformats.org/markup-compatibility/2006" xmlns:mv="urn:schemas-microsoft-com:mac:vml" xmlns:p="http://schemas.openxmlformats.org/presentationml/2006/main" xmlns:c="http://schemas.openxmlformats.org/drawingml/2006/chart" xmlns:dgm="http://schemas.openxmlformats.org/drawingml/2006/diagram" xmlns:o="urn:schemas-microsoft-com:office:office" xmlns:v="urn:schemas-microsoft-com:vml" xmlns:pvml="urn:schemas-microsoft-com:office:powerpoint" xmlns:com="http://schemas.openxmlformats.org/drawingml/2006/compatibility" xmlns:p14="http://schemas.microsoft.com/office/powerpoint/2010/main" xmlns:p15="http://schemas.microsoft.com/office/powerpoint/2012/main" showMasterPhAnim="0" showMasterSp="0">
+  <p:cSld>
+    <p:spTree>
+      <p:nvGrpSpPr>
+        <p:cNvPr id="253" name="Shape 253"/>
+        <p:cNvGrpSpPr/>
+        <p:nvPr/>
+      </p:nvGrpSpPr>
+      <p:grpSpPr>
+        <a:xfrm>
+          <a:off x="0" y="0"/>
+          <a:ext cx="0" cy="0"/>
+          <a:chOff x="0" y="0"/>
+          <a:chExt cx="0" cy="0"/>
+        </a:xfrm>
+      </p:grpSpPr>
+      <p:sp>
+        <p:nvSpPr>
+          <p:cNvPr id="254" name="Shape 254"/>
+          <p:cNvSpPr/>
+          <p:nvPr>
+            <p:ph idx="2" type="sldImg"/>
+          </p:nvPr>
+        </p:nvSpPr>
+        <p:spPr>
+          <a:xfrm>
+            <a:off x="381300" y="685800"/>
+            <a:ext cx="6096000" cy="3429000"/>
+          </a:xfrm>
+          <a:custGeom>
+            <a:pathLst>
+              <a:path extrusionOk="0" h="120000" w="120000">
+                <a:moveTo>
+                  <a:pt x="0" y="0"/>
+                </a:moveTo>
+                <a:lnTo>
+                  <a:pt x="120000" y="0"/>
+                </a:lnTo>
+                <a:lnTo>
+                  <a:pt x="120000" y="120000"/>
+                </a:lnTo>
+                <a:lnTo>
+                  <a:pt x="0" y="120000"/>
+                </a:lnTo>
+                <a:close/>
+              </a:path>
+            </a:pathLst>
+          </a:custGeom>
+        </p:spPr>
+      </p:sp>
+      <p:sp>
+        <p:nvSpPr>
+          <p:cNvPr id="255" name="Shape 255"/>
           <p:cNvSpPr txBox="1"/>
           <p:nvPr>
             <p:ph idx="1" type="body"/>
@@ -3590,7 +3887,7 @@
           <p:cNvPr id="125" name="Shape 125"/>
           <p:cNvSpPr txBox="1"/>
           <p:nvPr>
-            <p:ph type="title"/>
+            <p:ph hasCustomPrompt="1" type="title"/>
           </p:nvPr>
         </p:nvSpPr>
         <p:spPr>
@@ -3705,7 +4002,11 @@
               <a:defRPr sz="8000"/>
             </a:lvl9pPr>
           </a:lstStyle>
-          <a:p/>
+          <a:p>
+            <a:r>
+              <a:t>xx%</a:t>
+            </a:r>
+          </a:p>
         </p:txBody>
       </p:sp>
       <p:sp>
@@ -11455,7 +11756,7 @@
         </p:blipFill>
         <p:spPr>
           <a:xfrm>
-            <a:off x="142825" y="1583525"/>
+            <a:off x="174500" y="1527425"/>
             <a:ext cx="2479398" cy="1859548"/>
           </a:xfrm>
           <a:prstGeom prst="rect">
@@ -11484,7 +11785,7 @@
         <p:spPr>
           <a:xfrm>
             <a:off x="2780050" y="1510200"/>
-            <a:ext cx="1748877" cy="2331847"/>
+            <a:ext cx="1838947" cy="2451950"/>
           </a:xfrm>
           <a:prstGeom prst="rect">
             <a:avLst/>
@@ -12470,6 +12771,432 @@
         </p:nvSpPr>
         <p:spPr>
           <a:xfrm>
+            <a:off x="1077275" y="193075"/>
+            <a:ext cx="8066700" cy="914100"/>
+          </a:xfrm>
+          <a:prstGeom prst="rect">
+            <a:avLst/>
+          </a:prstGeom>
+        </p:spPr>
+        <p:txBody>
+          <a:bodyPr anchorCtr="0" anchor="t" bIns="91425" lIns="91425" spcFirstLastPara="1" rIns="91425" wrap="square" tIns="91425">
+            <a:noAutofit/>
+          </a:bodyPr>
+          <a:lstStyle/>
+          <a:p>
+            <a:pPr indent="0" lvl="0" marL="0" algn="ctr">
+              <a:spcBef>
+                <a:spcPts val="0"/>
+              </a:spcBef>
+              <a:spcAft>
+                <a:spcPts val="0"/>
+              </a:spcAft>
+              <a:buNone/>
+            </a:pPr>
+            <a:r>
+              <a:rPr lang="en"/>
+              <a:t>R</a:t>
+            </a:r>
+            <a:r>
+              <a:rPr baseline="30000" lang="en"/>
+              <a:t>3</a:t>
+            </a:r>
+            <a:r>
+              <a:rPr lang="en" sz="3000">
+                <a:latin typeface="Times New Roman"/>
+                <a:ea typeface="Times New Roman"/>
+                <a:cs typeface="Times New Roman"/>
+                <a:sym typeface="Times New Roman"/>
+              </a:rPr>
+              <a:t> Efficiency</a:t>
+            </a:r>
+            <a:endParaRPr sz="3000">
+              <a:solidFill>
+                <a:srgbClr val="FFFFFF"/>
+              </a:solidFill>
+              <a:latin typeface="Times New Roman"/>
+              <a:ea typeface="Times New Roman"/>
+              <a:cs typeface="Times New Roman"/>
+              <a:sym typeface="Times New Roman"/>
+            </a:endParaRPr>
+          </a:p>
+        </p:txBody>
+      </p:sp>
+      <p:pic>
+        <p:nvPicPr>
+          <p:cNvPr id="222" name="Shape 222"/>
+          <p:cNvPicPr preferRelativeResize="0"/>
+          <p:nvPr/>
+        </p:nvPicPr>
+        <p:blipFill>
+          <a:blip r:embed="rId3">
+            <a:alphaModFix/>
+          </a:blip>
+          <a:stretch>
+            <a:fillRect/>
+          </a:stretch>
+        </p:blipFill>
+        <p:spPr>
+          <a:xfrm>
+            <a:off x="231675" y="1325475"/>
+            <a:ext cx="3271700" cy="3737375"/>
+          </a:xfrm>
+          <a:prstGeom prst="rect">
+            <a:avLst/>
+          </a:prstGeom>
+          <a:noFill/>
+          <a:ln>
+            <a:noFill/>
+          </a:ln>
+        </p:spPr>
+      </p:pic>
+      <p:pic>
+        <p:nvPicPr>
+          <p:cNvPr id="223" name="Shape 223"/>
+          <p:cNvPicPr preferRelativeResize="0"/>
+          <p:nvPr/>
+        </p:nvPicPr>
+        <p:blipFill>
+          <a:blip r:embed="rId4">
+            <a:alphaModFix/>
+          </a:blip>
+          <a:stretch>
+            <a:fillRect/>
+          </a:stretch>
+        </p:blipFill>
+        <p:spPr>
+          <a:xfrm>
+            <a:off x="3825800" y="1361350"/>
+            <a:ext cx="5133651" cy="3665625"/>
+          </a:xfrm>
+          <a:prstGeom prst="rect">
+            <a:avLst/>
+          </a:prstGeom>
+          <a:noFill/>
+          <a:ln>
+            <a:noFill/>
+          </a:ln>
+        </p:spPr>
+      </p:pic>
+    </p:spTree>
+  </p:cSld>
+  <p:clrMapOvr>
+    <a:masterClrMapping/>
+  </p:clrMapOvr>
+</p:sld>
+</file>
+
+<file path=ppt/slides/slide13.xml><?xml version="1.0" encoding="utf-8"?>
+<p:sld xmlns:a="http://schemas.openxmlformats.org/drawingml/2006/main" xmlns:r="http://schemas.openxmlformats.org/officeDocument/2006/relationships" xmlns:mc="http://schemas.openxmlformats.org/markup-compatibility/2006" xmlns:mv="urn:schemas-microsoft-com:mac:vml" xmlns:p="http://schemas.openxmlformats.org/presentationml/2006/main" xmlns:c="http://schemas.openxmlformats.org/drawingml/2006/chart" xmlns:dgm="http://schemas.openxmlformats.org/drawingml/2006/diagram" xmlns:o="urn:schemas-microsoft-com:office:office" xmlns:v="urn:schemas-microsoft-com:vml" xmlns:pvml="urn:schemas-microsoft-com:office:powerpoint" xmlns:com="http://schemas.openxmlformats.org/drawingml/2006/compatibility" xmlns:p14="http://schemas.microsoft.com/office/powerpoint/2010/main" xmlns:p15="http://schemas.microsoft.com/office/powerpoint/2012/main">
+  <p:cSld>
+    <p:spTree>
+      <p:nvGrpSpPr>
+        <p:cNvPr id="227" name="Shape 227"/>
+        <p:cNvGrpSpPr/>
+        <p:nvPr/>
+      </p:nvGrpSpPr>
+      <p:grpSpPr>
+        <a:xfrm>
+          <a:off x="0" y="0"/>
+          <a:ext cx="0" cy="0"/>
+          <a:chOff x="0" y="0"/>
+          <a:chExt cx="0" cy="0"/>
+        </a:xfrm>
+      </p:grpSpPr>
+      <p:sp>
+        <p:nvSpPr>
+          <p:cNvPr id="228" name="Shape 228"/>
+          <p:cNvSpPr txBox="1"/>
+          <p:nvPr>
+            <p:ph type="title"/>
+          </p:nvPr>
+        </p:nvSpPr>
+        <p:spPr>
+          <a:xfrm>
+            <a:off x="1013800" y="171950"/>
+            <a:ext cx="8070300" cy="914100"/>
+          </a:xfrm>
+          <a:prstGeom prst="rect">
+            <a:avLst/>
+          </a:prstGeom>
+        </p:spPr>
+        <p:txBody>
+          <a:bodyPr anchorCtr="0" anchor="t" bIns="91425" lIns="91425" spcFirstLastPara="1" rIns="91425" wrap="square" tIns="91425">
+            <a:noAutofit/>
+          </a:bodyPr>
+          <a:lstStyle/>
+          <a:p>
+            <a:pPr indent="0" lvl="0" marL="0" rtl="0" algn="ctr">
+              <a:spcBef>
+                <a:spcPts val="0"/>
+              </a:spcBef>
+              <a:spcAft>
+                <a:spcPts val="0"/>
+              </a:spcAft>
+              <a:buNone/>
+            </a:pPr>
+            <a:r>
+              <a:rPr lang="en" sz="3000">
+                <a:latin typeface="Times New Roman"/>
+                <a:ea typeface="Times New Roman"/>
+                <a:cs typeface="Times New Roman"/>
+                <a:sym typeface="Times New Roman"/>
+              </a:rPr>
+              <a:t>Test Data and Graphs for </a:t>
+            </a:r>
+            <a:r>
+              <a:rPr lang="en" sz="3000">
+                <a:solidFill>
+                  <a:srgbClr val="FFFFFF"/>
+                </a:solidFill>
+                <a:latin typeface="Times New Roman"/>
+                <a:ea typeface="Times New Roman"/>
+                <a:cs typeface="Times New Roman"/>
+                <a:sym typeface="Times New Roman"/>
+              </a:rPr>
+              <a:t>Non-Metal</a:t>
+            </a:r>
+            <a:endParaRPr/>
+          </a:p>
+        </p:txBody>
+      </p:sp>
+      <p:pic>
+        <p:nvPicPr>
+          <p:cNvPr id="229" name="Shape 229"/>
+          <p:cNvPicPr preferRelativeResize="0"/>
+          <p:nvPr/>
+        </p:nvPicPr>
+        <p:blipFill>
+          <a:blip r:embed="rId3">
+            <a:alphaModFix/>
+          </a:blip>
+          <a:stretch>
+            <a:fillRect/>
+          </a:stretch>
+        </p:blipFill>
+        <p:spPr>
+          <a:xfrm>
+            <a:off x="4503775" y="3412975"/>
+            <a:ext cx="4580317" cy="1641501"/>
+          </a:xfrm>
+          <a:prstGeom prst="rect">
+            <a:avLst/>
+          </a:prstGeom>
+          <a:noFill/>
+          <a:ln>
+            <a:noFill/>
+          </a:ln>
+        </p:spPr>
+      </p:pic>
+      <p:pic>
+        <p:nvPicPr>
+          <p:cNvPr id="230" name="Shape 230"/>
+          <p:cNvPicPr preferRelativeResize="0"/>
+          <p:nvPr/>
+        </p:nvPicPr>
+        <p:blipFill>
+          <a:blip r:embed="rId4">
+            <a:alphaModFix/>
+          </a:blip>
+          <a:stretch>
+            <a:fillRect/>
+          </a:stretch>
+        </p:blipFill>
+        <p:spPr>
+          <a:xfrm>
+            <a:off x="152400" y="1460250"/>
+            <a:ext cx="5105932" cy="1736950"/>
+          </a:xfrm>
+          <a:prstGeom prst="rect">
+            <a:avLst/>
+          </a:prstGeom>
+          <a:noFill/>
+          <a:ln>
+            <a:noFill/>
+          </a:ln>
+        </p:spPr>
+      </p:pic>
+    </p:spTree>
+  </p:cSld>
+  <p:clrMapOvr>
+    <a:masterClrMapping/>
+  </p:clrMapOvr>
+</p:sld>
+</file>
+
+<file path=ppt/slides/slide14.xml><?xml version="1.0" encoding="utf-8"?>
+<p:sld xmlns:a="http://schemas.openxmlformats.org/drawingml/2006/main" xmlns:r="http://schemas.openxmlformats.org/officeDocument/2006/relationships" xmlns:mc="http://schemas.openxmlformats.org/markup-compatibility/2006" xmlns:mv="urn:schemas-microsoft-com:mac:vml" xmlns:p="http://schemas.openxmlformats.org/presentationml/2006/main" xmlns:c="http://schemas.openxmlformats.org/drawingml/2006/chart" xmlns:dgm="http://schemas.openxmlformats.org/drawingml/2006/diagram" xmlns:o="urn:schemas-microsoft-com:office:office" xmlns:v="urn:schemas-microsoft-com:vml" xmlns:pvml="urn:schemas-microsoft-com:office:powerpoint" xmlns:com="http://schemas.openxmlformats.org/drawingml/2006/compatibility" xmlns:p14="http://schemas.microsoft.com/office/powerpoint/2010/main" xmlns:p15="http://schemas.microsoft.com/office/powerpoint/2012/main">
+  <p:cSld>
+    <p:spTree>
+      <p:nvGrpSpPr>
+        <p:cNvPr id="234" name="Shape 234"/>
+        <p:cNvGrpSpPr/>
+        <p:nvPr/>
+      </p:nvGrpSpPr>
+      <p:grpSpPr>
+        <a:xfrm>
+          <a:off x="0" y="0"/>
+          <a:ext cx="0" cy="0"/>
+          <a:chOff x="0" y="0"/>
+          <a:chExt cx="0" cy="0"/>
+        </a:xfrm>
+      </p:grpSpPr>
+      <p:sp>
+        <p:nvSpPr>
+          <p:cNvPr id="235" name="Shape 235"/>
+          <p:cNvSpPr txBox="1"/>
+          <p:nvPr>
+            <p:ph type="title"/>
+          </p:nvPr>
+        </p:nvSpPr>
+        <p:spPr>
+          <a:xfrm>
+            <a:off x="1077275" y="193075"/>
+            <a:ext cx="8066700" cy="914100"/>
+          </a:xfrm>
+          <a:prstGeom prst="rect">
+            <a:avLst/>
+          </a:prstGeom>
+        </p:spPr>
+        <p:txBody>
+          <a:bodyPr anchorCtr="0" anchor="t" bIns="91425" lIns="91425" spcFirstLastPara="1" rIns="91425" wrap="square" tIns="91425">
+            <a:noAutofit/>
+          </a:bodyPr>
+          <a:lstStyle/>
+          <a:p>
+            <a:pPr indent="0" lvl="0" marL="0" rtl="0" algn="ctr">
+              <a:spcBef>
+                <a:spcPts val="0"/>
+              </a:spcBef>
+              <a:spcAft>
+                <a:spcPts val="0"/>
+              </a:spcAft>
+              <a:buNone/>
+            </a:pPr>
+            <a:r>
+              <a:rPr lang="en" sz="3000">
+                <a:latin typeface="Times New Roman"/>
+                <a:ea typeface="Times New Roman"/>
+                <a:cs typeface="Times New Roman"/>
+                <a:sym typeface="Times New Roman"/>
+              </a:rPr>
+              <a:t>Test Data and Graphs for </a:t>
+            </a:r>
+            <a:r>
+              <a:rPr lang="en" sz="3000">
+                <a:solidFill>
+                  <a:srgbClr val="FFFFFF"/>
+                </a:solidFill>
+                <a:latin typeface="Times New Roman"/>
+                <a:ea typeface="Times New Roman"/>
+                <a:cs typeface="Times New Roman"/>
+                <a:sym typeface="Times New Roman"/>
+              </a:rPr>
+              <a:t>Metal</a:t>
+            </a:r>
+            <a:endParaRPr sz="3000">
+              <a:solidFill>
+                <a:srgbClr val="FFFFFF"/>
+              </a:solidFill>
+              <a:latin typeface="Times New Roman"/>
+              <a:ea typeface="Times New Roman"/>
+              <a:cs typeface="Times New Roman"/>
+              <a:sym typeface="Times New Roman"/>
+            </a:endParaRPr>
+          </a:p>
+        </p:txBody>
+      </p:sp>
+      <p:pic>
+        <p:nvPicPr>
+          <p:cNvPr id="236" name="Shape 236"/>
+          <p:cNvPicPr preferRelativeResize="0"/>
+          <p:nvPr/>
+        </p:nvPicPr>
+        <p:blipFill>
+          <a:blip r:embed="rId3">
+            <a:alphaModFix/>
+          </a:blip>
+          <a:stretch>
+            <a:fillRect/>
+          </a:stretch>
+        </p:blipFill>
+        <p:spPr>
+          <a:xfrm>
+            <a:off x="4435875" y="2633550"/>
+            <a:ext cx="4577700" cy="2455025"/>
+          </a:xfrm>
+          <a:prstGeom prst="rect">
+            <a:avLst/>
+          </a:prstGeom>
+          <a:noFill/>
+          <a:ln>
+            <a:noFill/>
+          </a:ln>
+        </p:spPr>
+      </p:pic>
+      <p:pic>
+        <p:nvPicPr>
+          <p:cNvPr id="237" name="Shape 237"/>
+          <p:cNvPicPr preferRelativeResize="0"/>
+          <p:nvPr/>
+        </p:nvPicPr>
+        <p:blipFill>
+          <a:blip r:embed="rId4">
+            <a:alphaModFix/>
+          </a:blip>
+          <a:stretch>
+            <a:fillRect/>
+          </a:stretch>
+        </p:blipFill>
+        <p:spPr>
+          <a:xfrm>
+            <a:off x="111125" y="1342562"/>
+            <a:ext cx="5241335" cy="1256275"/>
+          </a:xfrm>
+          <a:prstGeom prst="rect">
+            <a:avLst/>
+          </a:prstGeom>
+          <a:noFill/>
+          <a:ln>
+            <a:noFill/>
+          </a:ln>
+        </p:spPr>
+      </p:pic>
+    </p:spTree>
+  </p:cSld>
+  <p:clrMapOvr>
+    <a:masterClrMapping/>
+  </p:clrMapOvr>
+</p:sld>
+</file>
+
+<file path=ppt/slides/slide15.xml><?xml version="1.0" encoding="utf-8"?>
+<p:sld xmlns:a="http://schemas.openxmlformats.org/drawingml/2006/main" xmlns:r="http://schemas.openxmlformats.org/officeDocument/2006/relationships" xmlns:mc="http://schemas.openxmlformats.org/markup-compatibility/2006" xmlns:mv="urn:schemas-microsoft-com:mac:vml" xmlns:p="http://schemas.openxmlformats.org/presentationml/2006/main" xmlns:c="http://schemas.openxmlformats.org/drawingml/2006/chart" xmlns:dgm="http://schemas.openxmlformats.org/drawingml/2006/diagram" xmlns:o="urn:schemas-microsoft-com:office:office" xmlns:v="urn:schemas-microsoft-com:vml" xmlns:pvml="urn:schemas-microsoft-com:office:powerpoint" xmlns:com="http://schemas.openxmlformats.org/drawingml/2006/compatibility" xmlns:p14="http://schemas.microsoft.com/office/powerpoint/2010/main" xmlns:p15="http://schemas.microsoft.com/office/powerpoint/2012/main">
+  <p:cSld>
+    <p:spTree>
+      <p:nvGrpSpPr>
+        <p:cNvPr id="241" name="Shape 241"/>
+        <p:cNvGrpSpPr/>
+        <p:nvPr/>
+      </p:nvGrpSpPr>
+      <p:grpSpPr>
+        <a:xfrm>
+          <a:off x="0" y="0"/>
+          <a:ext cx="0" cy="0"/>
+          <a:chOff x="0" y="0"/>
+          <a:chExt cx="0" cy="0"/>
+        </a:xfrm>
+      </p:grpSpPr>
+      <p:sp>
+        <p:nvSpPr>
+          <p:cNvPr id="242" name="Shape 242"/>
+          <p:cNvSpPr txBox="1"/>
+          <p:nvPr>
+            <p:ph type="title"/>
+          </p:nvPr>
+        </p:nvSpPr>
+        <p:spPr>
+          <a:xfrm>
             <a:off x="1287900" y="153850"/>
             <a:ext cx="5583900" cy="914100"/>
           </a:xfrm>
@@ -12512,7 +13239,7 @@
       </p:sp>
       <p:sp>
         <p:nvSpPr>
-          <p:cNvPr id="222" name="Shape 222"/>
+          <p:cNvPr id="243" name="Shape 243"/>
           <p:cNvSpPr txBox="1"/>
           <p:nvPr>
             <p:ph idx="1" type="body"/>
@@ -13052,7 +13779,7 @@
       </p:sp>
       <p:pic>
         <p:nvPicPr>
-          <p:cNvPr id="223" name="Shape 223"/>
+          <p:cNvPr id="244" name="Shape 244"/>
           <p:cNvPicPr preferRelativeResize="0"/>
           <p:nvPr/>
         </p:nvPicPr>
@@ -13080,7 +13807,7 @@
       </p:pic>
       <p:pic>
         <p:nvPicPr>
-          <p:cNvPr id="224" name="Shape 224"/>
+          <p:cNvPr id="245" name="Shape 245"/>
           <p:cNvPicPr preferRelativeResize="0"/>
           <p:nvPr/>
         </p:nvPicPr>
@@ -13144,7 +13871,7 @@
                                           </p:stCondLst>
                                         </p:cTn>
                                         <p:tgtEl>
-                                          <p:spTgt spid="221"/>
+                                          <p:spTgt spid="242"/>
                                         </p:tgtEl>
                                         <p:attrNameLst>
                                           <p:attrName>style.visibility</p:attrName>
@@ -13158,7 +13885,7 @@
                                       <p:cBhvr additive="base">
                                         <p:cTn dur="1000"/>
                                         <p:tgtEl>
-                                          <p:spTgt spid="221"/>
+                                          <p:spTgt spid="242"/>
                                         </p:tgtEl>
                                         <p:attrNameLst>
                                           <p:attrName>ppt_x</p:attrName>
@@ -13212,7 +13939,7 @@
                                           </p:stCondLst>
                                         </p:cTn>
                                         <p:tgtEl>
-                                          <p:spTgt spid="222"/>
+                                          <p:spTgt spid="243"/>
                                         </p:tgtEl>
                                         <p:attrNameLst>
                                           <p:attrName>style.visibility</p:attrName>
@@ -13226,7 +13953,7 @@
                                       <p:cBhvr additive="base">
                                         <p:cTn dur="1000"/>
                                         <p:tgtEl>
-                                          <p:spTgt spid="222"/>
+                                          <p:spTgt spid="243"/>
                                         </p:tgtEl>
                                         <p:attrNameLst>
                                           <p:attrName>ppt_x</p:attrName>
@@ -13279,12 +14006,12 @@
 </p:sld>
 </file>
 
-<file path=ppt/slides/slide13.xml><?xml version="1.0" encoding="utf-8"?>
+<file path=ppt/slides/slide16.xml><?xml version="1.0" encoding="utf-8"?>
 <p:sld xmlns:a="http://schemas.openxmlformats.org/drawingml/2006/main" xmlns:r="http://schemas.openxmlformats.org/officeDocument/2006/relationships" xmlns:mc="http://schemas.openxmlformats.org/markup-compatibility/2006" xmlns:mv="urn:schemas-microsoft-com:mac:vml" xmlns:p="http://schemas.openxmlformats.org/presentationml/2006/main" xmlns:c="http://schemas.openxmlformats.org/drawingml/2006/chart" xmlns:dgm="http://schemas.openxmlformats.org/drawingml/2006/diagram" xmlns:o="urn:schemas-microsoft-com:office:office" xmlns:v="urn:schemas-microsoft-com:vml" xmlns:pvml="urn:schemas-microsoft-com:office:powerpoint" xmlns:com="http://schemas.openxmlformats.org/drawingml/2006/compatibility" xmlns:p14="http://schemas.microsoft.com/office/powerpoint/2010/main" xmlns:p15="http://schemas.microsoft.com/office/powerpoint/2012/main">
   <p:cSld>
     <p:spTree>
       <p:nvGrpSpPr>
-        <p:cNvPr id="228" name="Shape 228"/>
+        <p:cNvPr id="249" name="Shape 249"/>
         <p:cNvGrpSpPr/>
         <p:nvPr/>
       </p:nvGrpSpPr>
@@ -13298,7 +14025,7 @@
       </p:grpSpPr>
       <p:sp>
         <p:nvSpPr>
-          <p:cNvPr id="229" name="Shape 229"/>
+          <p:cNvPr id="250" name="Shape 250"/>
           <p:cNvSpPr txBox="1"/>
           <p:nvPr>
             <p:ph type="title"/>
@@ -13357,7 +14084,7 @@
       </p:sp>
       <p:pic>
         <p:nvPicPr>
-          <p:cNvPr id="230" name="Shape 230"/>
+          <p:cNvPr id="251" name="Shape 251"/>
           <p:cNvPicPr preferRelativeResize="0"/>
           <p:nvPr/>
         </p:nvPicPr>
@@ -13385,14 +14112,14 @@
       </p:pic>
       <p:sp>
         <p:nvSpPr>
-          <p:cNvPr id="231" name="Shape 231"/>
+          <p:cNvPr id="252" name="Shape 252"/>
           <p:cNvSpPr txBox="1"/>
           <p:nvPr/>
         </p:nvSpPr>
         <p:spPr>
           <a:xfrm>
             <a:off x="1035225" y="1547900"/>
-            <a:ext cx="7802700" cy="2221500"/>
+            <a:ext cx="7802700" cy="2667300"/>
           </a:xfrm>
           <a:prstGeom prst="rect">
             <a:avLst/>
@@ -13630,7 +14357,73 @@
             </a:r>
             <a:endParaRPr sz="1200">
               <a:solidFill>
-                <a:srgbClr val="FFFFFF"/>
+                <a:schemeClr val="lt1"/>
+              </a:solidFill>
+              <a:latin typeface="Times New Roman"/>
+              <a:ea typeface="Times New Roman"/>
+              <a:cs typeface="Times New Roman"/>
+              <a:sym typeface="Times New Roman"/>
+            </a:endParaRPr>
+          </a:p>
+          <a:p>
+            <a:pPr indent="-311150" lvl="0" marL="457200" rtl="0">
+              <a:lnSpc>
+                <a:spcPct val="115000"/>
+              </a:lnSpc>
+              <a:spcBef>
+                <a:spcPts val="0"/>
+              </a:spcBef>
+              <a:spcAft>
+                <a:spcPts val="0"/>
+              </a:spcAft>
+              <a:buClr>
+                <a:schemeClr val="lt1"/>
+              </a:buClr>
+              <a:buSzPts val="1300"/>
+              <a:buFont typeface="Lato"/>
+              <a:buChar char="❖"/>
+            </a:pPr>
+            <a:r>
+              <a:rPr lang="en" sz="1200">
+                <a:solidFill>
+                  <a:schemeClr val="lt1"/>
+                </a:solidFill>
+                <a:latin typeface="Times New Roman"/>
+                <a:ea typeface="Times New Roman"/>
+                <a:cs typeface="Times New Roman"/>
+                <a:sym typeface="Times New Roman"/>
+              </a:rPr>
+              <a:t>Temperature sensor can be used to detect temperature over 80 degrees Fahrenheit  to notify user with  a message on LCD to empty trash from the bin</a:t>
+            </a:r>
+            <a:endParaRPr sz="1300">
+              <a:solidFill>
+                <a:schemeClr val="lt1"/>
+              </a:solidFill>
+              <a:latin typeface="Lato"/>
+              <a:ea typeface="Lato"/>
+              <a:cs typeface="Lato"/>
+              <a:sym typeface="Lato"/>
+            </a:endParaRPr>
+          </a:p>
+          <a:p>
+            <a:pPr indent="0" lvl="0" marL="0" rtl="0">
+              <a:lnSpc>
+                <a:spcPct val="200000"/>
+              </a:lnSpc>
+              <a:spcBef>
+                <a:spcPts val="1600"/>
+              </a:spcBef>
+              <a:spcAft>
+                <a:spcPts val="300"/>
+              </a:spcAft>
+              <a:buNone/>
+            </a:pPr>
+            <a:r>
+              <a:t/>
+            </a:r>
+            <a:endParaRPr sz="1200">
+              <a:solidFill>
+                <a:schemeClr val="lt1"/>
               </a:solidFill>
               <a:latin typeface="Times New Roman"/>
               <a:ea typeface="Times New Roman"/>
@@ -13679,7 +14472,7 @@
                                           </p:stCondLst>
                                         </p:cTn>
                                         <p:tgtEl>
-                                          <p:spTgt spid="229"/>
+                                          <p:spTgt spid="250"/>
                                         </p:tgtEl>
                                         <p:attrNameLst>
                                           <p:attrName>style.visibility</p:attrName>
@@ -13693,7 +14486,7 @@
                                       <p:cBhvr additive="base">
                                         <p:cTn dur="1000"/>
                                         <p:tgtEl>
-                                          <p:spTgt spid="229"/>
+                                          <p:spTgt spid="250"/>
                                         </p:tgtEl>
                                         <p:attrNameLst>
                                           <p:attrName>ppt_x</p:attrName>
@@ -13747,7 +14540,7 @@
                                           </p:stCondLst>
                                         </p:cTn>
                                         <p:tgtEl>
-                                          <p:spTgt spid="231"/>
+                                          <p:spTgt spid="252"/>
                                         </p:tgtEl>
                                         <p:attrNameLst>
                                           <p:attrName>style.visibility</p:attrName>
@@ -13761,7 +14554,7 @@
                                       <p:cBhvr additive="base">
                                         <p:cTn dur="1000"/>
                                         <p:tgtEl>
-                                          <p:spTgt spid="231"/>
+                                          <p:spTgt spid="252"/>
                                         </p:tgtEl>
                                         <p:attrNameLst>
                                           <p:attrName>ppt_x</p:attrName>
@@ -13814,7 +14607,7 @@
 </p:sld>
 </file>
 
-<file path=ppt/slides/slide14.xml><?xml version="1.0" encoding="utf-8"?>
+<file path=ppt/slides/slide17.xml><?xml version="1.0" encoding="utf-8"?>
 <p:sld xmlns:a="http://schemas.openxmlformats.org/drawingml/2006/main" xmlns:r="http://schemas.openxmlformats.org/officeDocument/2006/relationships" xmlns:mc="http://schemas.openxmlformats.org/markup-compatibility/2006" xmlns:mv="urn:schemas-microsoft-com:mac:vml" xmlns:p="http://schemas.openxmlformats.org/presentationml/2006/main" xmlns:c="http://schemas.openxmlformats.org/drawingml/2006/chart" xmlns:dgm="http://schemas.openxmlformats.org/drawingml/2006/diagram" xmlns:o="urn:schemas-microsoft-com:office:office" xmlns:v="urn:schemas-microsoft-com:vml" xmlns:pvml="urn:schemas-microsoft-com:office:powerpoint" xmlns:com="http://schemas.openxmlformats.org/drawingml/2006/compatibility" xmlns:p14="http://schemas.microsoft.com/office/powerpoint/2010/main" xmlns:p15="http://schemas.microsoft.com/office/powerpoint/2012/main">
   <p:cSld>
     <p:bg>
@@ -13826,7 +14619,7 @@
     </p:bg>
     <p:spTree>
       <p:nvGrpSpPr>
-        <p:cNvPr id="235" name="Shape 235"/>
+        <p:cNvPr id="256" name="Shape 256"/>
         <p:cNvGrpSpPr/>
         <p:nvPr/>
       </p:nvGrpSpPr>
@@ -13840,7 +14633,7 @@
       </p:grpSpPr>
       <p:sp>
         <p:nvSpPr>
-          <p:cNvPr id="236" name="Shape 236"/>
+          <p:cNvPr id="257" name="Shape 257"/>
           <p:cNvSpPr txBox="1"/>
           <p:nvPr>
             <p:ph type="title"/>
@@ -13890,7 +14683,7 @@
       </p:sp>
       <p:pic>
         <p:nvPicPr>
-          <p:cNvPr id="237" name="Shape 237"/>
+          <p:cNvPr id="258" name="Shape 258"/>
           <p:cNvPicPr preferRelativeResize="0"/>
           <p:nvPr/>
         </p:nvPicPr>
@@ -13925,7 +14718,7 @@
       </p:pic>
       <p:pic>
         <p:nvPicPr>
-          <p:cNvPr id="238" name="Shape 238"/>
+          <p:cNvPr id="259" name="Shape 259"/>
           <p:cNvPicPr preferRelativeResize="0"/>
           <p:nvPr/>
         </p:nvPicPr>
@@ -13990,7 +14783,7 @@
                                           </p:stCondLst>
                                         </p:cTn>
                                         <p:tgtEl>
-                                          <p:spTgt spid="236"/>
+                                          <p:spTgt spid="257"/>
                                         </p:tgtEl>
                                         <p:attrNameLst>
                                           <p:attrName>style.visibility</p:attrName>
@@ -14004,7 +14797,7 @@
                                       <p:cBhvr additive="base">
                                         <p:cTn dur="1000"/>
                                         <p:tgtEl>
-                                          <p:spTgt spid="236"/>
+                                          <p:spTgt spid="257"/>
                                         </p:tgtEl>
                                         <p:attrNameLst>
                                           <p:attrName>ppt_x</p:attrName>
@@ -14058,7 +14851,7 @@
                                           </p:stCondLst>
                                         </p:cTn>
                                         <p:tgtEl>
-                                          <p:spTgt spid="237"/>
+                                          <p:spTgt spid="258"/>
                                         </p:tgtEl>
                                         <p:attrNameLst>
                                           <p:attrName>style.visibility</p:attrName>
@@ -14072,7 +14865,7 @@
                                       <p:cBhvr additive="base">
                                         <p:cTn dur="1000"/>
                                         <p:tgtEl>
-                                          <p:spTgt spid="237"/>
+                                          <p:spTgt spid="258"/>
                                         </p:tgtEl>
                                         <p:attrNameLst>
                                           <p:attrName>ppt_y</p:attrName>
@@ -18463,8 +19256,8 @@
         </p:nvSpPr>
         <p:spPr>
           <a:xfrm>
-            <a:off x="911625" y="1415150"/>
-            <a:ext cx="8070300" cy="3477000"/>
+            <a:off x="989725" y="1258950"/>
+            <a:ext cx="8070300" cy="3837600"/>
           </a:xfrm>
           <a:prstGeom prst="rect">
             <a:avLst/>
@@ -18610,7 +19403,7 @@
                 <a:cs typeface="Times New Roman"/>
                 <a:sym typeface="Times New Roman"/>
               </a:rPr>
-              <a:t>Motion Detector  is an Ultrasonic sensor  to detect the motion of objects within proximity of 2 cm to 400 cm and sends serial signals to the arduino board that is programmed to  open /close the lid.</a:t>
+              <a:t>Motion Detector  is an Ultrasonic sensor  to detect the motion of objects within proximity of 5cm to 15cm and sends serial signals to the arduino board that is programmed to  open /close the lid. This also uses Temperature sensor and Real Time Clock (RTC) </a:t>
             </a:r>
             <a:endParaRPr sz="1200">
               <a:latin typeface="Times New Roman"/>
@@ -18915,7 +19708,7 @@
         </p:nvSpPr>
         <p:spPr>
           <a:xfrm>
-            <a:off x="1297500" y="393750"/>
+            <a:off x="1275200" y="248700"/>
             <a:ext cx="7038900" cy="914100"/>
           </a:xfrm>
           <a:prstGeom prst="rect">
@@ -18938,13 +19731,21 @@
               <a:buNone/>
             </a:pPr>
             <a:r>
+              <a:rPr lang="en"/>
+              <a:t>R</a:t>
+            </a:r>
+            <a:r>
+              <a:rPr baseline="30000" lang="en"/>
+              <a:t>3</a:t>
+            </a:r>
+            <a:r>
               <a:rPr lang="en" sz="3000">
                 <a:latin typeface="Times New Roman"/>
                 <a:ea typeface="Times New Roman"/>
                 <a:cs typeface="Times New Roman"/>
                 <a:sym typeface="Times New Roman"/>
               </a:rPr>
-              <a:t>R3 </a:t>
+              <a:t> </a:t>
             </a:r>
             <a:r>
               <a:rPr lang="en" sz="3000">
@@ -19008,8 +19809,8 @@
         </p:blipFill>
         <p:spPr>
           <a:xfrm>
-            <a:off x="1209100" y="1240675"/>
-            <a:ext cx="6909723" cy="3711500"/>
+            <a:off x="1174685" y="1004225"/>
+            <a:ext cx="7593616" cy="4016525"/>
           </a:xfrm>
           <a:prstGeom prst="rect">
             <a:avLst/>
@@ -19101,74 +19902,6 @@
                       </p:childTnLst>
                     </p:cTn>
                   </p:par>
-                  <p:par>
-                    <p:cTn fill="hold">
-                      <p:stCondLst>
-                        <p:cond delay="indefinite"/>
-                      </p:stCondLst>
-                      <p:childTnLst>
-                        <p:par>
-                          <p:cTn fill="hold">
-                            <p:stCondLst>
-                              <p:cond delay="0"/>
-                            </p:stCondLst>
-                            <p:childTnLst>
-                              <p:par>
-                                <p:cTn fill="hold" nodeType="clickEffect" presetClass="entr" presetID="2" presetSubtype="2">
-                                  <p:stCondLst>
-                                    <p:cond delay="0"/>
-                                  </p:stCondLst>
-                                  <p:childTnLst>
-                                    <p:set>
-                                      <p:cBhvr>
-                                        <p:cTn dur="1" fill="hold">
-                                          <p:stCondLst>
-                                            <p:cond delay="0"/>
-                                          </p:stCondLst>
-                                        </p:cTn>
-                                        <p:tgtEl>
-                                          <p:spTgt spid="192"/>
-                                        </p:tgtEl>
-                                        <p:attrNameLst>
-                                          <p:attrName>style.visibility</p:attrName>
-                                        </p:attrNameLst>
-                                      </p:cBhvr>
-                                      <p:to>
-                                        <p:strVal val="visible"/>
-                                      </p:to>
-                                    </p:set>
-                                    <p:anim calcmode="lin" valueType="num">
-                                      <p:cBhvr additive="base">
-                                        <p:cTn dur="1000"/>
-                                        <p:tgtEl>
-                                          <p:spTgt spid="192"/>
-                                        </p:tgtEl>
-                                        <p:attrNameLst>
-                                          <p:attrName>ppt_x</p:attrName>
-                                        </p:attrNameLst>
-                                      </p:cBhvr>
-                                      <p:tavLst>
-                                        <p:tav fmla="" tm="0">
-                                          <p:val>
-                                            <p:strVal val="#ppt_x+1"/>
-                                          </p:val>
-                                        </p:tav>
-                                        <p:tav fmla="" tm="100000">
-                                          <p:val>
-                                            <p:strVal val="#ppt_x"/>
-                                          </p:val>
-                                        </p:tav>
-                                      </p:tavLst>
-                                    </p:anim>
-                                  </p:childTnLst>
-                                </p:cTn>
-                              </p:par>
-                            </p:childTnLst>
-                          </p:cTn>
-                        </p:par>
-                      </p:childTnLst>
-                    </p:cTn>
-                  </p:par>
                 </p:childTnLst>
               </p:cTn>
               <p:prevCondLst>
@@ -19517,7 +20250,7 @@
                 <a:cs typeface="Times New Roman"/>
                 <a:sym typeface="Times New Roman"/>
               </a:rPr>
-              <a:t>1 DC Servo (LS-0009AF digital)</a:t>
+              <a:t>1 DC Servo (55g)</a:t>
             </a:r>
             <a:endParaRPr sz="1200">
               <a:solidFill>
@@ -19578,7 +20311,47 @@
                 <a:cs typeface="Times New Roman"/>
                 <a:sym typeface="Times New Roman"/>
               </a:rPr>
-              <a:t>                                                                                     </a:t>
+              <a:t>     </a:t>
+            </a:r>
+            <a:endParaRPr sz="1200">
+              <a:solidFill>
+                <a:srgbClr val="FFFFFF"/>
+              </a:solidFill>
+              <a:latin typeface="Times New Roman"/>
+              <a:ea typeface="Times New Roman"/>
+              <a:cs typeface="Times New Roman"/>
+              <a:sym typeface="Times New Roman"/>
+            </a:endParaRPr>
+          </a:p>
+          <a:p>
+            <a:pPr indent="-304800" lvl="0" marL="457200" marR="0" rtl="0">
+              <a:lnSpc>
+                <a:spcPct val="200000"/>
+              </a:lnSpc>
+              <a:spcBef>
+                <a:spcPts val="0"/>
+              </a:spcBef>
+              <a:spcAft>
+                <a:spcPts val="0"/>
+              </a:spcAft>
+              <a:buClr>
+                <a:srgbClr val="FFFFFF"/>
+              </a:buClr>
+              <a:buSzPts val="1200"/>
+              <a:buFont typeface="Times New Roman"/>
+              <a:buChar char="-"/>
+            </a:pPr>
+            <a:r>
+              <a:rPr lang="en" sz="1200">
+                <a:solidFill>
+                  <a:srgbClr val="FFFFFF"/>
+                </a:solidFill>
+                <a:latin typeface="Times New Roman"/>
+                <a:ea typeface="Times New Roman"/>
+                <a:cs typeface="Times New Roman"/>
+                <a:sym typeface="Times New Roman"/>
+              </a:rPr>
+              <a:t>1 RTC and Temperature Sensor (DS3231)                                 -	Miscellaneous                                     </a:t>
             </a:r>
             <a:endParaRPr sz="1200">
               <a:solidFill>
@@ -19840,6 +20613,285 @@
 </file>
 
 <file path=ppt/theme/theme1.xml><?xml version="1.0" encoding="utf-8"?>
+<a:theme xmlns:a="http://schemas.openxmlformats.org/drawingml/2006/main" xmlns:r="http://schemas.openxmlformats.org/officeDocument/2006/relationships" name="Focus">
+  <a:themeElements>
+    <a:clrScheme name="Focus">
+      <a:dk1>
+        <a:srgbClr val="1B212C"/>
+      </a:dk1>
+      <a:lt1>
+        <a:srgbClr val="FFFFFF"/>
+      </a:lt1>
+      <a:dk2>
+        <a:srgbClr val="D9D9D9"/>
+      </a:dk2>
+      <a:lt2>
+        <a:srgbClr val="82C7A5"/>
+      </a:lt2>
+      <a:accent1>
+        <a:srgbClr val="0145AC"/>
+      </a:accent1>
+      <a:accent2>
+        <a:srgbClr val="EECE1A"/>
+      </a:accent2>
+      <a:accent3>
+        <a:srgbClr val="4E5567"/>
+      </a:accent3>
+      <a:accent4>
+        <a:srgbClr val="F4D6AD"/>
+      </a:accent4>
+      <a:accent5>
+        <a:srgbClr val="7890CD"/>
+      </a:accent5>
+      <a:accent6>
+        <a:srgbClr val="F15E22"/>
+      </a:accent6>
+      <a:hlink>
+        <a:srgbClr val="7890CD"/>
+      </a:hlink>
+      <a:folHlink>
+        <a:srgbClr val="7890CD"/>
+      </a:folHlink>
+    </a:clrScheme>
+    <a:fontScheme name="Office">
+      <a:majorFont>
+        <a:latin typeface="Arial"/>
+        <a:ea typeface=""/>
+        <a:cs typeface=""/>
+        <a:font script="Jpan" typeface="ＭＳ Ｐゴシック"/>
+        <a:font script="Hang" typeface="맑은 고딕"/>
+        <a:font script="Hans" typeface="宋体"/>
+        <a:font script="Hant" typeface="新細明體"/>
+        <a:font script="Arab" typeface="Times New Roman"/>
+        <a:font script="Hebr" typeface="Times New Roman"/>
+        <a:font script="Thai" typeface="Angsana New"/>
+        <a:font script="Ethi" typeface="Nyala"/>
+        <a:font script="Beng" typeface="Vrinda"/>
+        <a:font script="Gujr" typeface="Shruti"/>
+        <a:font script="Khmr" typeface="MoolBoran"/>
+        <a:font script="Knda" typeface="Tunga"/>
+        <a:font script="Guru" typeface="Raavi"/>
+        <a:font script="Cans" typeface="Euphemia"/>
+        <a:font script="Cher" typeface="Plantagenet Cherokee"/>
+        <a:font script="Yiii" typeface="Microsoft Yi Baiti"/>
+        <a:font script="Tibt" typeface="Microsoft Himalaya"/>
+        <a:font script="Thaa" typeface="MV Boli"/>
+        <a:font script="Deva" typeface="Mangal"/>
+        <a:font script="Telu" typeface="Gautami"/>
+        <a:font script="Taml" typeface="Latha"/>
+        <a:font script="Syrc" typeface="Estrangelo Edessa"/>
+        <a:font script="Orya" typeface="Kalinga"/>
+        <a:font script="Mlym" typeface="Kartika"/>
+        <a:font script="Laoo" typeface="DokChampa"/>
+        <a:font script="Sinh" typeface="Iskoola Pota"/>
+        <a:font script="Mong" typeface="Mongolian Baiti"/>
+        <a:font script="Viet" typeface="Times New Roman"/>
+        <a:font script="Uigh" typeface="Microsoft Uighur"/>
+        <a:font script="Geor" typeface="Sylfaen"/>
+      </a:majorFont>
+      <a:minorFont>
+        <a:latin typeface="Arial"/>
+        <a:ea typeface=""/>
+        <a:cs typeface=""/>
+        <a:font script="Jpan" typeface="ＭＳ Ｐゴシック"/>
+        <a:font script="Hang" typeface="맑은 고딕"/>
+        <a:font script="Hans" typeface="宋体"/>
+        <a:font script="Hant" typeface="新細明體"/>
+        <a:font script="Arab" typeface="Arial"/>
+        <a:font script="Hebr" typeface="Arial"/>
+        <a:font script="Thai" typeface="Cordia New"/>
+        <a:font script="Ethi" typeface="Nyala"/>
+        <a:font script="Beng" typeface="Vrinda"/>
+        <a:font script="Gujr" typeface="Shruti"/>
+        <a:font script="Khmr" typeface="DaunPenh"/>
+        <a:font script="Knda" typeface="Tunga"/>
+        <a:font script="Guru" typeface="Raavi"/>
+        <a:font script="Cans" typeface="Euphemia"/>
+        <a:font script="Cher" typeface="Plantagenet Cherokee"/>
+        <a:font script="Yiii" typeface="Microsoft Yi Baiti"/>
+        <a:font script="Tibt" typeface="Microsoft Himalaya"/>
+        <a:font script="Thaa" typeface="MV Boli"/>
+        <a:font script="Deva" typeface="Mangal"/>
+        <a:font script="Telu" typeface="Gautami"/>
+        <a:font script="Taml" typeface="Latha"/>
+        <a:font script="Syrc" typeface="Estrangelo Edessa"/>
+        <a:font script="Orya" typeface="Kalinga"/>
+        <a:font script="Mlym" typeface="Kartika"/>
+        <a:font script="Laoo" typeface="DokChampa"/>
+        <a:font script="Sinh" typeface="Iskoola Pota"/>
+        <a:font script="Mong" typeface="Mongolian Baiti"/>
+        <a:font script="Viet" typeface="Arial"/>
+        <a:font script="Uigh" typeface="Microsoft Uighur"/>
+        <a:font script="Geor" typeface="Sylfaen"/>
+      </a:minorFont>
+    </a:fontScheme>
+    <a:fmtScheme name="Office">
+      <a:fillStyleLst>
+        <a:solidFill>
+          <a:schemeClr val="phClr"/>
+        </a:solidFill>
+        <a:gradFill rotWithShape="1">
+          <a:gsLst>
+            <a:gs pos="0">
+              <a:schemeClr val="phClr">
+                <a:tint val="50000"/>
+                <a:satMod val="300000"/>
+              </a:schemeClr>
+            </a:gs>
+            <a:gs pos="35000">
+              <a:schemeClr val="phClr">
+                <a:tint val="37000"/>
+                <a:satMod val="300000"/>
+              </a:schemeClr>
+            </a:gs>
+            <a:gs pos="100000">
+              <a:schemeClr val="phClr">
+                <a:tint val="15000"/>
+                <a:satMod val="350000"/>
+              </a:schemeClr>
+            </a:gs>
+          </a:gsLst>
+          <a:lin ang="16200000" scaled="1"/>
+        </a:gradFill>
+        <a:gradFill rotWithShape="1">
+          <a:gsLst>
+            <a:gs pos="0">
+              <a:schemeClr val="phClr">
+                <a:tint val="100000"/>
+                <a:shade val="100000"/>
+                <a:satMod val="130000"/>
+              </a:schemeClr>
+            </a:gs>
+            <a:gs pos="100000">
+              <a:schemeClr val="phClr">
+                <a:tint val="50000"/>
+                <a:shade val="100000"/>
+                <a:satMod val="350000"/>
+              </a:schemeClr>
+            </a:gs>
+          </a:gsLst>
+          <a:lin ang="16200000" scaled="0"/>
+        </a:gradFill>
+      </a:fillStyleLst>
+      <a:lnStyleLst>
+        <a:ln w="9525" cap="flat" cmpd="sng" algn="ctr">
+          <a:solidFill>
+            <a:schemeClr val="phClr">
+              <a:shade val="95000"/>
+              <a:satMod val="105000"/>
+            </a:schemeClr>
+          </a:solidFill>
+          <a:prstDash val="solid"/>
+        </a:ln>
+        <a:ln w="25400" cap="flat" cmpd="sng" algn="ctr">
+          <a:solidFill>
+            <a:schemeClr val="phClr"/>
+          </a:solidFill>
+          <a:prstDash val="solid"/>
+        </a:ln>
+        <a:ln w="38100" cap="flat" cmpd="sng" algn="ctr">
+          <a:solidFill>
+            <a:schemeClr val="phClr"/>
+          </a:solidFill>
+          <a:prstDash val="solid"/>
+        </a:ln>
+      </a:lnStyleLst>
+      <a:effectStyleLst>
+        <a:effectStyle>
+          <a:effectLst>
+            <a:outerShdw blurRad="40000" dist="20000" dir="5400000" rotWithShape="0">
+              <a:srgbClr val="000000">
+                <a:alpha val="38000"/>
+              </a:srgbClr>
+            </a:outerShdw>
+          </a:effectLst>
+        </a:effectStyle>
+        <a:effectStyle>
+          <a:effectLst>
+            <a:outerShdw blurRad="40000" dist="23000" dir="5400000" rotWithShape="0">
+              <a:srgbClr val="000000">
+                <a:alpha val="35000"/>
+              </a:srgbClr>
+            </a:outerShdw>
+          </a:effectLst>
+        </a:effectStyle>
+        <a:effectStyle>
+          <a:effectLst>
+            <a:outerShdw blurRad="40000" dist="23000" dir="5400000" rotWithShape="0">
+              <a:srgbClr val="000000">
+                <a:alpha val="35000"/>
+              </a:srgbClr>
+            </a:outerShdw>
+          </a:effectLst>
+          <a:scene3d>
+            <a:camera prst="orthographicFront">
+              <a:rot lat="0" lon="0" rev="0"/>
+            </a:camera>
+            <a:lightRig rig="threePt" dir="t">
+              <a:rot lat="0" lon="0" rev="1200000"/>
+            </a:lightRig>
+          </a:scene3d>
+          <a:sp3d>
+            <a:bevelT w="63500" h="25400"/>
+          </a:sp3d>
+        </a:effectStyle>
+      </a:effectStyleLst>
+      <a:bgFillStyleLst>
+        <a:solidFill>
+          <a:schemeClr val="phClr"/>
+        </a:solidFill>
+        <a:gradFill rotWithShape="1">
+          <a:gsLst>
+            <a:gs pos="0">
+              <a:schemeClr val="phClr">
+                <a:tint val="40000"/>
+                <a:satMod val="350000"/>
+              </a:schemeClr>
+            </a:gs>
+            <a:gs pos="40000">
+              <a:schemeClr val="phClr">
+                <a:tint val="45000"/>
+                <a:shade val="99000"/>
+                <a:satMod val="350000"/>
+              </a:schemeClr>
+            </a:gs>
+            <a:gs pos="100000">
+              <a:schemeClr val="phClr">
+                <a:shade val="20000"/>
+                <a:satMod val="255000"/>
+              </a:schemeClr>
+            </a:gs>
+          </a:gsLst>
+          <a:path path="circle">
+            <a:fillToRect l="50000" t="-80000" r="50000" b="180000"/>
+          </a:path>
+        </a:gradFill>
+        <a:gradFill rotWithShape="1">
+          <a:gsLst>
+            <a:gs pos="0">
+              <a:schemeClr val="phClr">
+                <a:tint val="80000"/>
+                <a:satMod val="300000"/>
+              </a:schemeClr>
+            </a:gs>
+            <a:gs pos="100000">
+              <a:schemeClr val="phClr">
+                <a:shade val="30000"/>
+                <a:satMod val="200000"/>
+              </a:schemeClr>
+            </a:gs>
+          </a:gsLst>
+          <a:path path="circle">
+            <a:fillToRect l="50000" t="50000" r="50000" b="50000"/>
+          </a:path>
+        </a:gradFill>
+      </a:bgFillStyleLst>
+    </a:fmtScheme>
+  </a:themeElements>
+</a:theme>
+</file>
+
+<file path=ppt/theme/theme2.xml><?xml version="1.0" encoding="utf-8"?>
 <a:theme xmlns:a="http://schemas.openxmlformats.org/drawingml/2006/main" xmlns:r="http://schemas.openxmlformats.org/officeDocument/2006/relationships">
   <a:themeElements>
     <a:clrScheme name="Default">
@@ -20116,283 +21168,4 @@
     </a:fmtScheme>
   </a:themeElements>
 </a:theme>
-</file>
-
-<file path=ppt/theme/theme2.xml><?xml version="1.0" encoding="utf-8"?>
-<a:theme xmlns:a="http://schemas.openxmlformats.org/drawingml/2006/main" xmlns:r="http://schemas.openxmlformats.org/officeDocument/2006/relationships" name="Focus">
-  <a:themeElements>
-    <a:clrScheme name="Focus">
-      <a:dk1>
-        <a:srgbClr val="1B212C"/>
-      </a:dk1>
-      <a:lt1>
-        <a:srgbClr val="FFFFFF"/>
-      </a:lt1>
-      <a:dk2>
-        <a:srgbClr val="D9D9D9"/>
-      </a:dk2>
-      <a:lt2>
-        <a:srgbClr val="82C7A5"/>
-      </a:lt2>
-      <a:accent1>
-        <a:srgbClr val="0145AC"/>
-      </a:accent1>
-      <a:accent2>
-        <a:srgbClr val="EECE1A"/>
-      </a:accent2>
-      <a:accent3>
-        <a:srgbClr val="4E5567"/>
-      </a:accent3>
-      <a:accent4>
-        <a:srgbClr val="F4D6AD"/>
-      </a:accent4>
-      <a:accent5>
-        <a:srgbClr val="7890CD"/>
-      </a:accent5>
-      <a:accent6>
-        <a:srgbClr val="F15E22"/>
-      </a:accent6>
-      <a:hlink>
-        <a:srgbClr val="7890CD"/>
-      </a:hlink>
-      <a:folHlink>
-        <a:srgbClr val="7890CD"/>
-      </a:folHlink>
-    </a:clrScheme>
-    <a:fontScheme name="Office">
-      <a:majorFont>
-        <a:latin typeface="Arial"/>
-        <a:ea typeface=""/>
-        <a:cs typeface=""/>
-        <a:font script="Jpan" typeface="ＭＳ Ｐゴシック"/>
-        <a:font script="Hang" typeface="맑은 고딕"/>
-        <a:font script="Hans" typeface="宋体"/>
-        <a:font script="Hant" typeface="新細明體"/>
-        <a:font script="Arab" typeface="Times New Roman"/>
-        <a:font script="Hebr" typeface="Times New Roman"/>
-        <a:font script="Thai" typeface="Angsana New"/>
-        <a:font script="Ethi" typeface="Nyala"/>
-        <a:font script="Beng" typeface="Vrinda"/>
-        <a:font script="Gujr" typeface="Shruti"/>
-        <a:font script="Khmr" typeface="MoolBoran"/>
-        <a:font script="Knda" typeface="Tunga"/>
-        <a:font script="Guru" typeface="Raavi"/>
-        <a:font script="Cans" typeface="Euphemia"/>
-        <a:font script="Cher" typeface="Plantagenet Cherokee"/>
-        <a:font script="Yiii" typeface="Microsoft Yi Baiti"/>
-        <a:font script="Tibt" typeface="Microsoft Himalaya"/>
-        <a:font script="Thaa" typeface="MV Boli"/>
-        <a:font script="Deva" typeface="Mangal"/>
-        <a:font script="Telu" typeface="Gautami"/>
-        <a:font script="Taml" typeface="Latha"/>
-        <a:font script="Syrc" typeface="Estrangelo Edessa"/>
-        <a:font script="Orya" typeface="Kalinga"/>
-        <a:font script="Mlym" typeface="Kartika"/>
-        <a:font script="Laoo" typeface="DokChampa"/>
-        <a:font script="Sinh" typeface="Iskoola Pota"/>
-        <a:font script="Mong" typeface="Mongolian Baiti"/>
-        <a:font script="Viet" typeface="Times New Roman"/>
-        <a:font script="Uigh" typeface="Microsoft Uighur"/>
-        <a:font script="Geor" typeface="Sylfaen"/>
-      </a:majorFont>
-      <a:minorFont>
-        <a:latin typeface="Arial"/>
-        <a:ea typeface=""/>
-        <a:cs typeface=""/>
-        <a:font script="Jpan" typeface="ＭＳ Ｐゴシック"/>
-        <a:font script="Hang" typeface="맑은 고딕"/>
-        <a:font script="Hans" typeface="宋体"/>
-        <a:font script="Hant" typeface="新細明體"/>
-        <a:font script="Arab" typeface="Arial"/>
-        <a:font script="Hebr" typeface="Arial"/>
-        <a:font script="Thai" typeface="Cordia New"/>
-        <a:font script="Ethi" typeface="Nyala"/>
-        <a:font script="Beng" typeface="Vrinda"/>
-        <a:font script="Gujr" typeface="Shruti"/>
-        <a:font script="Khmr" typeface="DaunPenh"/>
-        <a:font script="Knda" typeface="Tunga"/>
-        <a:font script="Guru" typeface="Raavi"/>
-        <a:font script="Cans" typeface="Euphemia"/>
-        <a:font script="Cher" typeface="Plantagenet Cherokee"/>
-        <a:font script="Yiii" typeface="Microsoft Yi Baiti"/>
-        <a:font script="Tibt" typeface="Microsoft Himalaya"/>
-        <a:font script="Thaa" typeface="MV Boli"/>
-        <a:font script="Deva" typeface="Mangal"/>
-        <a:font script="Telu" typeface="Gautami"/>
-        <a:font script="Taml" typeface="Latha"/>
-        <a:font script="Syrc" typeface="Estrangelo Edessa"/>
-        <a:font script="Orya" typeface="Kalinga"/>
-        <a:font script="Mlym" typeface="Kartika"/>
-        <a:font script="Laoo" typeface="DokChampa"/>
-        <a:font script="Sinh" typeface="Iskoola Pota"/>
-        <a:font script="Mong" typeface="Mongolian Baiti"/>
-        <a:font script="Viet" typeface="Arial"/>
-        <a:font script="Uigh" typeface="Microsoft Uighur"/>
-        <a:font script="Geor" typeface="Sylfaen"/>
-      </a:minorFont>
-    </a:fontScheme>
-    <a:fmtScheme name="Office">
-      <a:fillStyleLst>
-        <a:solidFill>
-          <a:schemeClr val="phClr"/>
-        </a:solidFill>
-        <a:gradFill rotWithShape="1">
-          <a:gsLst>
-            <a:gs pos="0">
-              <a:schemeClr val="phClr">
-                <a:tint val="50000"/>
-                <a:satMod val="300000"/>
-              </a:schemeClr>
-            </a:gs>
-            <a:gs pos="35000">
-              <a:schemeClr val="phClr">
-                <a:tint val="37000"/>
-                <a:satMod val="300000"/>
-              </a:schemeClr>
-            </a:gs>
-            <a:gs pos="100000">
-              <a:schemeClr val="phClr">
-                <a:tint val="15000"/>
-                <a:satMod val="350000"/>
-              </a:schemeClr>
-            </a:gs>
-          </a:gsLst>
-          <a:lin ang="16200000" scaled="1"/>
-        </a:gradFill>
-        <a:gradFill rotWithShape="1">
-          <a:gsLst>
-            <a:gs pos="0">
-              <a:schemeClr val="phClr">
-                <a:tint val="100000"/>
-                <a:shade val="100000"/>
-                <a:satMod val="130000"/>
-              </a:schemeClr>
-            </a:gs>
-            <a:gs pos="100000">
-              <a:schemeClr val="phClr">
-                <a:tint val="50000"/>
-                <a:shade val="100000"/>
-                <a:satMod val="350000"/>
-              </a:schemeClr>
-            </a:gs>
-          </a:gsLst>
-          <a:lin ang="16200000" scaled="0"/>
-        </a:gradFill>
-      </a:fillStyleLst>
-      <a:lnStyleLst>
-        <a:ln w="9525" cap="flat" cmpd="sng" algn="ctr">
-          <a:solidFill>
-            <a:schemeClr val="phClr">
-              <a:shade val="95000"/>
-              <a:satMod val="105000"/>
-            </a:schemeClr>
-          </a:solidFill>
-          <a:prstDash val="solid"/>
-        </a:ln>
-        <a:ln w="25400" cap="flat" cmpd="sng" algn="ctr">
-          <a:solidFill>
-            <a:schemeClr val="phClr"/>
-          </a:solidFill>
-          <a:prstDash val="solid"/>
-        </a:ln>
-        <a:ln w="38100" cap="flat" cmpd="sng" algn="ctr">
-          <a:solidFill>
-            <a:schemeClr val="phClr"/>
-          </a:solidFill>
-          <a:prstDash val="solid"/>
-        </a:ln>
-      </a:lnStyleLst>
-      <a:effectStyleLst>
-        <a:effectStyle>
-          <a:effectLst>
-            <a:outerShdw blurRad="40000" dist="20000" dir="5400000" rotWithShape="0">
-              <a:srgbClr val="000000">
-                <a:alpha val="38000"/>
-              </a:srgbClr>
-            </a:outerShdw>
-          </a:effectLst>
-        </a:effectStyle>
-        <a:effectStyle>
-          <a:effectLst>
-            <a:outerShdw blurRad="40000" dist="23000" dir="5400000" rotWithShape="0">
-              <a:srgbClr val="000000">
-                <a:alpha val="35000"/>
-              </a:srgbClr>
-            </a:outerShdw>
-          </a:effectLst>
-        </a:effectStyle>
-        <a:effectStyle>
-          <a:effectLst>
-            <a:outerShdw blurRad="40000" dist="23000" dir="5400000" rotWithShape="0">
-              <a:srgbClr val="000000">
-                <a:alpha val="35000"/>
-              </a:srgbClr>
-            </a:outerShdw>
-          </a:effectLst>
-          <a:scene3d>
-            <a:camera prst="orthographicFront">
-              <a:rot lat="0" lon="0" rev="0"/>
-            </a:camera>
-            <a:lightRig rig="threePt" dir="t">
-              <a:rot lat="0" lon="0" rev="1200000"/>
-            </a:lightRig>
-          </a:scene3d>
-          <a:sp3d>
-            <a:bevelT w="63500" h="25400"/>
-          </a:sp3d>
-        </a:effectStyle>
-      </a:effectStyleLst>
-      <a:bgFillStyleLst>
-        <a:solidFill>
-          <a:schemeClr val="phClr"/>
-        </a:solidFill>
-        <a:gradFill rotWithShape="1">
-          <a:gsLst>
-            <a:gs pos="0">
-              <a:schemeClr val="phClr">
-                <a:tint val="40000"/>
-                <a:satMod val="350000"/>
-              </a:schemeClr>
-            </a:gs>
-            <a:gs pos="40000">
-              <a:schemeClr val="phClr">
-                <a:tint val="45000"/>
-                <a:shade val="99000"/>
-                <a:satMod val="350000"/>
-              </a:schemeClr>
-            </a:gs>
-            <a:gs pos="100000">
-              <a:schemeClr val="phClr">
-                <a:shade val="20000"/>
-                <a:satMod val="255000"/>
-              </a:schemeClr>
-            </a:gs>
-          </a:gsLst>
-          <a:path path="circle">
-            <a:fillToRect l="50000" t="-80000" r="50000" b="180000"/>
-          </a:path>
-        </a:gradFill>
-        <a:gradFill rotWithShape="1">
-          <a:gsLst>
-            <a:gs pos="0">
-              <a:schemeClr val="phClr">
-                <a:tint val="80000"/>
-                <a:satMod val="300000"/>
-              </a:schemeClr>
-            </a:gs>
-            <a:gs pos="100000">
-              <a:schemeClr val="phClr">
-                <a:shade val="30000"/>
-                <a:satMod val="200000"/>
-              </a:schemeClr>
-            </a:gs>
-          </a:gsLst>
-          <a:path path="circle">
-            <a:fillToRect l="50000" t="50000" r="50000" b="50000"/>
-          </a:path>
-        </a:gradFill>
-      </a:bgFillStyleLst>
-    </a:fmtScheme>
-  </a:themeElements>
-</a:theme>
 </file>